--- a/Backup_MA/Ausarbeitung/graphs/medSystem_adap_calc.pptx
+++ b/Backup_MA/Ausarbeitung/graphs/medSystem_adap_calc.pptx
@@ -244,7 +244,7 @@
           <a:p>
             <a:fld id="{DFC90CF4-8AFF-4D03-8A58-254BE634892C}" type="datetimeFigureOut">
               <a:rPr lang="en-GB" smtClean="0"/>
-              <a:t>21/06/2017</a:t>
+              <a:t>23/06/2017</a:t>
             </a:fld>
             <a:endParaRPr lang="en-GB"/>
           </a:p>
@@ -414,7 +414,7 @@
           <a:p>
             <a:fld id="{DFC90CF4-8AFF-4D03-8A58-254BE634892C}" type="datetimeFigureOut">
               <a:rPr lang="en-GB" smtClean="0"/>
-              <a:t>21/06/2017</a:t>
+              <a:t>23/06/2017</a:t>
             </a:fld>
             <a:endParaRPr lang="en-GB"/>
           </a:p>
@@ -594,7 +594,7 @@
           <a:p>
             <a:fld id="{DFC90CF4-8AFF-4D03-8A58-254BE634892C}" type="datetimeFigureOut">
               <a:rPr lang="en-GB" smtClean="0"/>
-              <a:t>21/06/2017</a:t>
+              <a:t>23/06/2017</a:t>
             </a:fld>
             <a:endParaRPr lang="en-GB"/>
           </a:p>
@@ -764,7 +764,7 @@
           <a:p>
             <a:fld id="{DFC90CF4-8AFF-4D03-8A58-254BE634892C}" type="datetimeFigureOut">
               <a:rPr lang="en-GB" smtClean="0"/>
-              <a:t>21/06/2017</a:t>
+              <a:t>23/06/2017</a:t>
             </a:fld>
             <a:endParaRPr lang="en-GB"/>
           </a:p>
@@ -1010,7 +1010,7 @@
           <a:p>
             <a:fld id="{DFC90CF4-8AFF-4D03-8A58-254BE634892C}" type="datetimeFigureOut">
               <a:rPr lang="en-GB" smtClean="0"/>
-              <a:t>21/06/2017</a:t>
+              <a:t>23/06/2017</a:t>
             </a:fld>
             <a:endParaRPr lang="en-GB"/>
           </a:p>
@@ -1242,7 +1242,7 @@
           <a:p>
             <a:fld id="{DFC90CF4-8AFF-4D03-8A58-254BE634892C}" type="datetimeFigureOut">
               <a:rPr lang="en-GB" smtClean="0"/>
-              <a:t>21/06/2017</a:t>
+              <a:t>23/06/2017</a:t>
             </a:fld>
             <a:endParaRPr lang="en-GB"/>
           </a:p>
@@ -1609,7 +1609,7 @@
           <a:p>
             <a:fld id="{DFC90CF4-8AFF-4D03-8A58-254BE634892C}" type="datetimeFigureOut">
               <a:rPr lang="en-GB" smtClean="0"/>
-              <a:t>21/06/2017</a:t>
+              <a:t>23/06/2017</a:t>
             </a:fld>
             <a:endParaRPr lang="en-GB"/>
           </a:p>
@@ -1727,7 +1727,7 @@
           <a:p>
             <a:fld id="{DFC90CF4-8AFF-4D03-8A58-254BE634892C}" type="datetimeFigureOut">
               <a:rPr lang="en-GB" smtClean="0"/>
-              <a:t>21/06/2017</a:t>
+              <a:t>23/06/2017</a:t>
             </a:fld>
             <a:endParaRPr lang="en-GB"/>
           </a:p>
@@ -1822,7 +1822,7 @@
           <a:p>
             <a:fld id="{DFC90CF4-8AFF-4D03-8A58-254BE634892C}" type="datetimeFigureOut">
               <a:rPr lang="en-GB" smtClean="0"/>
-              <a:t>21/06/2017</a:t>
+              <a:t>23/06/2017</a:t>
             </a:fld>
             <a:endParaRPr lang="en-GB"/>
           </a:p>
@@ -2099,7 +2099,7 @@
           <a:p>
             <a:fld id="{DFC90CF4-8AFF-4D03-8A58-254BE634892C}" type="datetimeFigureOut">
               <a:rPr lang="en-GB" smtClean="0"/>
-              <a:t>21/06/2017</a:t>
+              <a:t>23/06/2017</a:t>
             </a:fld>
             <a:endParaRPr lang="en-GB"/>
           </a:p>
@@ -2352,7 +2352,7 @@
           <a:p>
             <a:fld id="{DFC90CF4-8AFF-4D03-8A58-254BE634892C}" type="datetimeFigureOut">
               <a:rPr lang="en-GB" smtClean="0"/>
-              <a:t>21/06/2017</a:t>
+              <a:t>23/06/2017</a:t>
             </a:fld>
             <a:endParaRPr lang="en-GB"/>
           </a:p>
@@ -2565,7 +2565,7 @@
           <a:p>
             <a:fld id="{DFC90CF4-8AFF-4D03-8A58-254BE634892C}" type="datetimeFigureOut">
               <a:rPr lang="en-GB" smtClean="0"/>
-              <a:t>21/06/2017</a:t>
+              <a:t>23/06/2017</a:t>
             </a:fld>
             <a:endParaRPr lang="en-GB"/>
           </a:p>
@@ -5455,8 +5455,8 @@
         </p:nvCxnSpPr>
         <p:spPr>
           <a:xfrm flipH="1">
-            <a:off x="6405226" y="2076111"/>
-            <a:ext cx="1239495" cy="781480"/>
+            <a:off x="6396418" y="2088181"/>
+            <a:ext cx="1289551" cy="763088"/>
           </a:xfrm>
           <a:prstGeom prst="line">
             <a:avLst/>
@@ -5464,41 +5464,6 @@
           <a:ln w="25400">
             <a:solidFill>
               <a:srgbClr val="FF0000"/>
-            </a:solidFill>
-          </a:ln>
-        </p:spPr>
-        <p:style>
-          <a:lnRef idx="1">
-            <a:schemeClr val="accent1"/>
-          </a:lnRef>
-          <a:fillRef idx="0">
-            <a:schemeClr val="accent1"/>
-          </a:fillRef>
-          <a:effectRef idx="0">
-            <a:schemeClr val="accent1"/>
-          </a:effectRef>
-          <a:fontRef idx="minor">
-            <a:schemeClr val="tx1"/>
-          </a:fontRef>
-        </p:style>
-      </p:cxnSp>
-      <p:cxnSp>
-        <p:nvCxnSpPr>
-          <p:cNvPr id="136" name="Gerader Verbinder 135"/>
-          <p:cNvCxnSpPr/>
-          <p:nvPr/>
-        </p:nvCxnSpPr>
-        <p:spPr>
-          <a:xfrm flipV="1">
-            <a:off x="2834649" y="1935781"/>
-            <a:ext cx="4810072" cy="906950"/>
-          </a:xfrm>
-          <a:prstGeom prst="line">
-            <a:avLst/>
-          </a:prstGeom>
-          <a:ln w="25400">
-            <a:solidFill>
-              <a:schemeClr val="accent2"/>
             </a:solidFill>
           </a:ln>
         </p:spPr>
@@ -7682,29 +7647,113 @@
           </p:txBody>
         </p:sp>
       </p:grpSp>
+      <p:sp>
+        <p:nvSpPr>
+          <p:cNvPr id="137" name="Rechteck 136"/>
+          <p:cNvSpPr/>
+          <p:nvPr/>
+        </p:nvSpPr>
+        <p:spPr>
+          <a:xfrm flipH="1">
+            <a:off x="7472379" y="884675"/>
+            <a:ext cx="4330843" cy="3104347"/>
+          </a:xfrm>
+          <a:prstGeom prst="rect">
+            <a:avLst/>
+          </a:prstGeom>
+          <a:noFill/>
+          <a:ln w="63500">
+            <a:solidFill>
+              <a:schemeClr val="bg1">
+                <a:lumMod val="50000"/>
+              </a:schemeClr>
+            </a:solidFill>
+          </a:ln>
+        </p:spPr>
+        <p:style>
+          <a:lnRef idx="2">
+            <a:schemeClr val="accent5"/>
+          </a:lnRef>
+          <a:fillRef idx="1">
+            <a:schemeClr val="lt1"/>
+          </a:fillRef>
+          <a:effectRef idx="0">
+            <a:schemeClr val="accent5"/>
+          </a:effectRef>
+          <a:fontRef idx="minor">
+            <a:schemeClr val="dk1"/>
+          </a:fontRef>
+        </p:style>
+        <p:txBody>
+          <a:bodyPr rtlCol="0" anchor="ctr"/>
+          <a:lstStyle/>
+          <a:p>
+            <a:pPr algn="ctr"/>
+            <a:endParaRPr lang="en-GB"/>
+          </a:p>
+        </p:txBody>
+      </p:sp>
+      <p:sp>
+        <p:nvSpPr>
+          <p:cNvPr id="138" name="Textfeld 137"/>
+          <p:cNvSpPr txBox="1"/>
+          <p:nvPr/>
+        </p:nvSpPr>
+        <p:spPr>
+          <a:xfrm>
+            <a:off x="9551031" y="912705"/>
+            <a:ext cx="2252191" cy="646331"/>
+          </a:xfrm>
+          <a:prstGeom prst="rect">
+            <a:avLst/>
+          </a:prstGeom>
+          <a:noFill/>
+        </p:spPr>
+        <p:txBody>
+          <a:bodyPr wrap="square" rtlCol="0">
+            <a:spAutoFit/>
+          </a:bodyPr>
+          <a:lstStyle/>
+          <a:p>
+            <a:pPr algn="r"/>
+            <a:r>
+              <a:rPr lang="en-GB" b="1" u="sng"/>
+              <a:t>Server6</a:t>
+            </a:r>
+            <a:endParaRPr lang="en-GB" b="1" u="sng" dirty="0"/>
+          </a:p>
+          <a:p>
+            <a:pPr algn="r"/>
+            <a:r>
+              <a:rPr lang="en-GB" dirty="0"/>
+              <a:t>Location: GBR</a:t>
+            </a:r>
+          </a:p>
+        </p:txBody>
+      </p:sp>
       <p:grpSp>
         <p:nvGrpSpPr>
-          <p:cNvPr id="126" name="Gruppieren 125"/>
+          <p:cNvPr id="92" name="Gruppieren 91"/>
           <p:cNvGrpSpPr/>
           <p:nvPr/>
         </p:nvGrpSpPr>
         <p:grpSpPr>
           <a:xfrm>
-            <a:off x="7631421" y="1120262"/>
-            <a:ext cx="2304437" cy="971000"/>
-            <a:chOff x="1769430" y="2020662"/>
-            <a:chExt cx="2005581" cy="971000"/>
+            <a:off x="7685968" y="1125261"/>
+            <a:ext cx="2295570" cy="960517"/>
+            <a:chOff x="5096595" y="2020905"/>
+            <a:chExt cx="1990688" cy="960517"/>
           </a:xfrm>
         </p:grpSpPr>
         <p:grpSp>
           <p:nvGrpSpPr>
-            <p:cNvPr id="127" name="Gruppieren 126"/>
+            <p:cNvPr id="94" name="Gruppieren 93"/>
             <p:cNvGrpSpPr/>
             <p:nvPr/>
           </p:nvGrpSpPr>
           <p:grpSpPr>
             <a:xfrm>
-              <a:off x="1769430" y="2020905"/>
+              <a:off x="5096595" y="2020905"/>
               <a:ext cx="1986844" cy="960517"/>
               <a:chOff x="3093156" y="1613350"/>
               <a:chExt cx="1986844" cy="960517"/>
@@ -7712,7 +7761,7 @@
           </p:grpSpPr>
           <p:sp>
             <p:nvSpPr>
-              <p:cNvPr id="131" name="Rechteck 130"/>
+              <p:cNvPr id="133" name="Rechteck 132"/>
               <p:cNvSpPr/>
               <p:nvPr/>
             </p:nvSpPr>
@@ -7761,7 +7810,7 @@
           </p:sp>
           <p:pic>
             <p:nvPicPr>
-              <p:cNvPr id="132" name="Grafik 131"/>
+              <p:cNvPr id="139" name="Grafik 138"/>
               <p:cNvPicPr>
                 <a:picLocks noChangeAspect="1"/>
               </p:cNvPicPr>
@@ -7786,13 +7835,13 @@
         </p:grpSp>
         <p:sp>
           <p:nvSpPr>
-            <p:cNvPr id="129" name="Textfeld 128"/>
+            <p:cNvPr id="95" name="Textfeld 94"/>
             <p:cNvSpPr txBox="1"/>
             <p:nvPr/>
           </p:nvSpPr>
           <p:spPr>
             <a:xfrm>
-              <a:off x="1769430" y="2020662"/>
+              <a:off x="5096595" y="2030914"/>
               <a:ext cx="1986844" cy="369332"/>
             </a:xfrm>
             <a:prstGeom prst="rect">
@@ -7816,14 +7865,14 @@
         </p:sp>
         <p:sp>
           <p:nvSpPr>
-            <p:cNvPr id="130" name="Rechteck 129"/>
+            <p:cNvPr id="123" name="Rechteck 122"/>
             <p:cNvSpPr/>
             <p:nvPr/>
           </p:nvSpPr>
           <p:spPr>
             <a:xfrm>
-              <a:off x="1769430" y="2622330"/>
-              <a:ext cx="2005581" cy="369332"/>
+              <a:off x="5106668" y="2606541"/>
+              <a:ext cx="1980615" cy="369332"/>
             </a:xfrm>
             <a:prstGeom prst="rect">
               <a:avLst/>
@@ -7844,94 +7893,15 @@
                 </a:rPr>
                 <a:t>Personal</a:t>
               </a:r>
+              <a:endParaRPr lang="en-GB" dirty="0">
+                <a:solidFill>
+                  <a:schemeClr val="accent2"/>
+                </a:solidFill>
+              </a:endParaRPr>
             </a:p>
           </p:txBody>
         </p:sp>
       </p:grpSp>
-      <p:sp>
-        <p:nvSpPr>
-          <p:cNvPr id="137" name="Rechteck 136"/>
-          <p:cNvSpPr/>
-          <p:nvPr/>
-        </p:nvSpPr>
-        <p:spPr>
-          <a:xfrm flipH="1">
-            <a:off x="7472379" y="884675"/>
-            <a:ext cx="4330843" cy="3104347"/>
-          </a:xfrm>
-          <a:prstGeom prst="rect">
-            <a:avLst/>
-          </a:prstGeom>
-          <a:noFill/>
-          <a:ln w="63500">
-            <a:solidFill>
-              <a:schemeClr val="bg1">
-                <a:lumMod val="50000"/>
-              </a:schemeClr>
-            </a:solidFill>
-          </a:ln>
-        </p:spPr>
-        <p:style>
-          <a:lnRef idx="2">
-            <a:schemeClr val="accent5"/>
-          </a:lnRef>
-          <a:fillRef idx="1">
-            <a:schemeClr val="lt1"/>
-          </a:fillRef>
-          <a:effectRef idx="0">
-            <a:schemeClr val="accent5"/>
-          </a:effectRef>
-          <a:fontRef idx="minor">
-            <a:schemeClr val="dk1"/>
-          </a:fontRef>
-        </p:style>
-        <p:txBody>
-          <a:bodyPr rtlCol="0" anchor="ctr"/>
-          <a:lstStyle/>
-          <a:p>
-            <a:pPr algn="ctr"/>
-            <a:endParaRPr lang="en-GB"/>
-          </a:p>
-        </p:txBody>
-      </p:sp>
-      <p:sp>
-        <p:nvSpPr>
-          <p:cNvPr id="138" name="Textfeld 137"/>
-          <p:cNvSpPr txBox="1"/>
-          <p:nvPr/>
-        </p:nvSpPr>
-        <p:spPr>
-          <a:xfrm>
-            <a:off x="9551031" y="912705"/>
-            <a:ext cx="2252191" cy="646331"/>
-          </a:xfrm>
-          <a:prstGeom prst="rect">
-            <a:avLst/>
-          </a:prstGeom>
-          <a:noFill/>
-        </p:spPr>
-        <p:txBody>
-          <a:bodyPr wrap="square" rtlCol="0">
-            <a:spAutoFit/>
-          </a:bodyPr>
-          <a:lstStyle/>
-          <a:p>
-            <a:pPr algn="r"/>
-            <a:r>
-              <a:rPr lang="en-GB" b="1" u="sng"/>
-              <a:t>Server6</a:t>
-            </a:r>
-            <a:endParaRPr lang="en-GB" b="1" u="sng" dirty="0"/>
-          </a:p>
-          <a:p>
-            <a:pPr algn="r"/>
-            <a:r>
-              <a:rPr lang="en-GB" dirty="0"/>
-              <a:t>Location: GBR</a:t>
-            </a:r>
-          </a:p>
-        </p:txBody>
-      </p:sp>
     </p:spTree>
     <p:extLst>
       <p:ext uri="{BB962C8B-B14F-4D97-AF65-F5344CB8AC3E}">

--- a/Backup_MA/Ausarbeitung/graphs/medSystem_adap_calc.pptx
+++ b/Backup_MA/Ausarbeitung/graphs/medSystem_adap_calc.pptx
@@ -7856,8 +7856,8 @@
             <a:lstStyle/>
             <a:p>
               <a:r>
-                <a:rPr lang="en-GB" b="1" u="sng" dirty="0" err="1"/>
-                <a:t>AccountingService</a:t>
+                <a:rPr lang="en-GB" b="1" u="sng" dirty="0"/>
+                <a:t>AccountingService-2</a:t>
               </a:r>
               <a:endParaRPr lang="en-GB" b="1" u="sng" dirty="0"/>
             </a:p>
